--- a/src/resource/SpeedUP.pptx
+++ b/src/resource/SpeedUP.pptx
@@ -6,6 +6,7 @@
   </p:sldMasterIdLst>
   <p:sldIdLst>
     <p:sldId id="257" r:id="rId2"/>
+    <p:sldId id="258" r:id="rId3"/>
   </p:sldIdLst>
   <p:sldSz cx="12192000" cy="6858000"/>
   <p:notesSz cx="6858000" cy="9144000"/>
@@ -3752,6 +3753,113 @@
 </p:sld>
 </file>
 
+<file path=ppt/slides/slide2.xml><?xml version="1.0" encoding="utf-8"?>
+<p:sld xmlns:a="http://schemas.openxmlformats.org/drawingml/2006/main" xmlns:r="http://schemas.openxmlformats.org/officeDocument/2006/relationships" xmlns:p="http://schemas.openxmlformats.org/presentationml/2006/main">
+  <p:cSld>
+    <p:spTree>
+      <p:nvGrpSpPr>
+        <p:cNvPr id="1" name=""/>
+        <p:cNvGrpSpPr/>
+        <p:nvPr/>
+      </p:nvGrpSpPr>
+      <p:grpSpPr>
+        <a:xfrm>
+          <a:off x="0" y="0"/>
+          <a:ext cx="0" cy="0"/>
+          <a:chOff x="0" y="0"/>
+          <a:chExt cx="0" cy="0"/>
+        </a:xfrm>
+      </p:grpSpPr>
+      <p:sp>
+        <p:nvSpPr>
+          <p:cNvPr id="7" name="テキスト ボックス 6">
+            <a:extLst>
+              <a:ext uri="{FF2B5EF4-FFF2-40B4-BE49-F238E27FC236}">
+                <a16:creationId xmlns:a16="http://schemas.microsoft.com/office/drawing/2014/main" id="{60A01699-D1DC-C29D-0631-01CC1AFFE7E1}"/>
+              </a:ext>
+            </a:extLst>
+          </p:cNvPr>
+          <p:cNvSpPr txBox="1"/>
+          <p:nvPr/>
+        </p:nvSpPr>
+        <p:spPr>
+          <a:xfrm>
+            <a:off x="2071253" y="1288473"/>
+            <a:ext cx="8832274" cy="3785652"/>
+          </a:xfrm>
+          <a:prstGeom prst="rect">
+            <a:avLst/>
+          </a:prstGeom>
+          <a:noFill/>
+        </p:spPr>
+        <p:txBody>
+          <a:bodyPr wrap="square" rtlCol="0">
+            <a:spAutoFit/>
+          </a:bodyPr>
+          <a:lstStyle/>
+          <a:p>
+            <a:pPr algn="ctr"/>
+            <a:r>
+              <a:rPr lang="en-US" sz="12000" b="1" i="1" dirty="0">
+                <a:pattFill prst="dkHorz">
+                  <a:fgClr>
+                    <a:srgbClr val="00B0F0"/>
+                  </a:fgClr>
+                  <a:bgClr>
+                    <a:schemeClr val="bg1"/>
+                  </a:bgClr>
+                </a:pattFill>
+                <a:effectLst>
+                  <a:outerShdw dist="50800" algn="tl" rotWithShape="0">
+                    <a:srgbClr val="00B0F0">
+                      <a:alpha val="0"/>
+                    </a:srgbClr>
+                  </a:outerShdw>
+                </a:effectLst>
+                <a:latin typeface="Algerian" panose="04020705040A02060702" pitchFamily="82" charset="0"/>
+              </a:rPr>
+              <a:t>SPEED UP</a:t>
+            </a:r>
+          </a:p>
+          <a:p>
+            <a:pPr algn="ctr"/>
+            <a:r>
+              <a:rPr lang="en-US" sz="12000" b="1" i="1" dirty="0">
+                <a:pattFill prst="dkHorz">
+                  <a:fgClr>
+                    <a:srgbClr val="00B0F0"/>
+                  </a:fgClr>
+                  <a:bgClr>
+                    <a:schemeClr val="bg1"/>
+                  </a:bgClr>
+                </a:pattFill>
+                <a:effectLst>
+                  <a:outerShdw dist="50800" algn="tl" rotWithShape="0">
+                    <a:srgbClr val="00B0F0">
+                      <a:alpha val="0"/>
+                    </a:srgbClr>
+                  </a:outerShdw>
+                </a:effectLst>
+                <a:latin typeface="Algerian" panose="04020705040A02060702" pitchFamily="82" charset="0"/>
+              </a:rPr>
+              <a:t>Mode</a:t>
+            </a:r>
+          </a:p>
+        </p:txBody>
+      </p:sp>
+    </p:spTree>
+    <p:extLst>
+      <p:ext uri="{BB962C8B-B14F-4D97-AF65-F5344CB8AC3E}">
+        <p14:creationId xmlns:p14="http://schemas.microsoft.com/office/powerpoint/2010/main" val="1768561702"/>
+      </p:ext>
+    </p:extLst>
+  </p:cSld>
+  <p:clrMapOvr>
+    <a:masterClrMapping/>
+  </p:clrMapOvr>
+</p:sld>
+</file>
+
 <file path=ppt/theme/theme1.xml><?xml version="1.0" encoding="utf-8"?>
 <a:theme xmlns:a="http://schemas.openxmlformats.org/drawingml/2006/main" name="Office テーマ">
   <a:themeElements>
